--- a/Имена.pptx
+++ b/Имена.pptx
@@ -8,7 +8,7 @@
     <p:notesMasterId r:id="rId6"/>
   </p:notesMasterIdLst>
   <p:sldIdLst>
-    <p:sldId id="314" r:id="rId2"/>
+    <p:sldId id="315" r:id="rId2"/>
     <p:sldId id="260" r:id="rId3"/>
     <p:sldId id="288" r:id="rId4"/>
     <p:sldId id="287" r:id="rId5"/>
@@ -24,18 +24,23 @@
       <p:boldItalic r:id="rId10"/>
     </p:embeddedFont>
     <p:embeddedFont>
+      <p:font typeface="Calibri Light" panose="020F0302020204030204" pitchFamily="34" charset="0"/>
+      <p:regular r:id="rId11"/>
+      <p:italic r:id="rId12"/>
+    </p:embeddedFont>
+    <p:embeddedFont>
       <p:font typeface="Poppins" panose="020B0604020202020204" charset="0"/>
-      <p:regular r:id="rId11"/>
-      <p:bold r:id="rId12"/>
-      <p:italic r:id="rId13"/>
-      <p:boldItalic r:id="rId14"/>
+      <p:regular r:id="rId13"/>
+      <p:bold r:id="rId14"/>
+      <p:italic r:id="rId15"/>
+      <p:boldItalic r:id="rId16"/>
     </p:embeddedFont>
     <p:embeddedFont>
       <p:font typeface="Poppins SemiBold" panose="020B0604020202020204" charset="0"/>
-      <p:regular r:id="rId15"/>
-      <p:bold r:id="rId16"/>
-      <p:italic r:id="rId17"/>
-      <p:boldItalic r:id="rId18"/>
+      <p:regular r:id="rId17"/>
+      <p:bold r:id="rId18"/>
+      <p:italic r:id="rId19"/>
+      <p:boldItalic r:id="rId20"/>
     </p:embeddedFont>
   </p:embeddedFontLst>
   <p:defaultTextStyle>
@@ -2117,7 +2122,7 @@
     </p:spTree>
     <p:extLst>
       <p:ext uri="{BB962C8B-B14F-4D97-AF65-F5344CB8AC3E}">
-        <p14:creationId xmlns:p14="http://schemas.microsoft.com/office/powerpoint/2010/main" val="287068255"/>
+        <p14:creationId xmlns:p14="http://schemas.microsoft.com/office/powerpoint/2010/main" val="2475115187"/>
       </p:ext>
     </p:extLst>
   </p:cSld>
@@ -6412,10 +6417,10 @@
       </p:grpSpPr>
       <p:pic>
         <p:nvPicPr>
-          <p:cNvPr id="3" name="Рисунок 2">
+          <p:cNvPr id="6" name="Рисунок 5">
             <a:extLst>
               <a:ext uri="{FF2B5EF4-FFF2-40B4-BE49-F238E27FC236}">
-                <a16:creationId xmlns:a16="http://schemas.microsoft.com/office/drawing/2014/main" id="{51D02CC9-CF97-4520-B49B-2C970D3D2A9F}"/>
+                <a16:creationId xmlns:a16="http://schemas.microsoft.com/office/drawing/2014/main" id="{E39A118B-B316-4488-8F3F-186383974D9E}"/>
               </a:ext>
             </a:extLst>
           </p:cNvPr>
@@ -6424,37 +6429,25 @@
           </p:cNvPicPr>
           <p:nvPr/>
         </p:nvPicPr>
-        <p:blipFill>
-          <a:blip r:embed="rId3">
-            <a:extLst>
-              <a:ext uri="{BEBA8EAE-BF5A-486C-A8C5-ECC9F3942E4B}">
-                <a14:imgProps xmlns:a14="http://schemas.microsoft.com/office/drawing/2010/main">
-                  <a14:imgLayer r:embed="rId4">
-                    <a14:imgEffect>
-                      <a14:backgroundRemoval t="9111" b="90222" l="9556" r="90556">
-                        <a14:foregroundMark x1="9556" y1="48000" x2="9556" y2="48000"/>
-                        <a14:foregroundMark x1="50778" y1="90444" x2="50778" y2="90444"/>
-                        <a14:foregroundMark x1="50222" y1="9222" x2="50222" y2="9222"/>
-                        <a14:foregroundMark x1="90556" y1="49778" x2="90556" y2="49778"/>
-                      </a14:backgroundRemoval>
-                    </a14:imgEffect>
-                  </a14:imgLayer>
-                </a14:imgProps>
-              </a:ext>
-            </a:extLst>
-          </a:blip>
-          <a:stretch>
-            <a:fillRect/>
-          </a:stretch>
+        <p:blipFill rotWithShape="1">
+          <a:blip r:embed="rId3"/>
+          <a:srcRect b="24731"/>
+          <a:stretch/>
         </p:blipFill>
         <p:spPr>
           <a:xfrm>
-            <a:off x="320593" y="849905"/>
-            <a:ext cx="3784654" cy="3784654"/>
+            <a:off x="335046" y="1211328"/>
+            <a:ext cx="3371850" cy="2537956"/>
           </a:xfrm>
-          <a:prstGeom prst="rect">
+          <a:prstGeom prst="ellipse">
             <a:avLst/>
           </a:prstGeom>
+          <a:ln>
+            <a:noFill/>
+          </a:ln>
+          <a:effectLst>
+            <a:softEdge rad="112500"/>
+          </a:effectLst>
         </p:spPr>
       </p:pic>
       <p:sp>
@@ -6775,10 +6768,55 @@
           </a:p>
         </p:txBody>
       </p:sp>
+      <p:sp>
+        <p:nvSpPr>
+          <p:cNvPr id="2" name="Прямоугольник 1">
+            <a:extLst>
+              <a:ext uri="{FF2B5EF4-FFF2-40B4-BE49-F238E27FC236}">
+                <a16:creationId xmlns:a16="http://schemas.microsoft.com/office/drawing/2014/main" id="{7E9EDB49-A3D8-4F40-8348-52EFFBECB2AF}"/>
+              </a:ext>
+            </a:extLst>
+          </p:cNvPr>
+          <p:cNvSpPr/>
+          <p:nvPr/>
+        </p:nvSpPr>
+        <p:spPr>
+          <a:xfrm>
+            <a:off x="384052" y="3668532"/>
+            <a:ext cx="3371850" cy="923330"/>
+          </a:xfrm>
+          <a:prstGeom prst="rect">
+            <a:avLst/>
+          </a:prstGeom>
+        </p:spPr>
+        <p:txBody>
+          <a:bodyPr wrap="square">
+            <a:spAutoFit/>
+          </a:bodyPr>
+          <a:lstStyle/>
+          <a:p>
+            <a:pPr algn="ctr"/>
+            <a:r>
+              <a:rPr lang="ru-RU" sz="5400" dirty="0">
+                <a:solidFill>
+                  <a:schemeClr val="accent2"/>
+                </a:solidFill>
+                <a:latin typeface="Calibri Light" panose="020F0302020204030204" pitchFamily="34" charset="0"/>
+                <a:cs typeface="Calibri Light" panose="020F0302020204030204" pitchFamily="34" charset="0"/>
+              </a:rPr>
+              <a:t>ИМЕНА</a:t>
+            </a:r>
+            <a:endParaRPr lang="ru-RU" sz="5400" dirty="0">
+              <a:latin typeface="Calibri Light" panose="020F0302020204030204" pitchFamily="34" charset="0"/>
+              <a:cs typeface="Calibri Light" panose="020F0302020204030204" pitchFamily="34" charset="0"/>
+            </a:endParaRPr>
+          </a:p>
+        </p:txBody>
+      </p:sp>
     </p:spTree>
     <p:extLst>
       <p:ext uri="{BB962C8B-B14F-4D97-AF65-F5344CB8AC3E}">
-        <p14:creationId xmlns:p14="http://schemas.microsoft.com/office/powerpoint/2010/main" val="323878608"/>
+        <p14:creationId xmlns:p14="http://schemas.microsoft.com/office/powerpoint/2010/main" val="3736256105"/>
       </p:ext>
     </p:extLst>
   </p:cSld>

--- a/Имена.pptx
+++ b/Имена.pptx
@@ -7698,8 +7698,8 @@
         </p:nvSpPr>
         <p:spPr>
           <a:xfrm>
-            <a:off x="1206719" y="1625836"/>
-            <a:ext cx="4907361" cy="1013400"/>
+            <a:off x="1429043" y="1625835"/>
+            <a:ext cx="4685038" cy="3070147"/>
           </a:xfrm>
           <a:prstGeom prst="rect">
             <a:avLst/>
@@ -7753,25 +7753,6 @@
               <a:rPr lang="ru-RU" dirty="0"/>
               <a:t>Реализованы 3 кнопки. При нажатие на кнопку "Подсказка" пользователю выводится имя заглавными буквами.  "На какую букву ходить" отвечает пользователю на вопрос. Кнопка "Правила!" выводит: «Вы называете имя, а я говорю имя на последнюю букву - и так далее. Только учтите – мягкий и твердый знак, а также и буквы "ы" и "й" не считаются»</a:t>
             </a:r>
-          </a:p>
-          <a:p>
-            <a:pPr algn="just">
-              <a:buClr>
-                <a:schemeClr val="tx2"/>
-              </a:buClr>
-              <a:buSzPct val="100000"/>
-              <a:buFont typeface="Courier New" panose="02070309020205020404" pitchFamily="49" charset="0"/>
-              <a:buChar char="o"/>
-            </a:pPr>
-            <a:r>
-              <a:rPr lang="ru-RU" dirty="0"/>
-              <a:t>С некоторыми именами будет выводиться ссылка на </a:t>
-            </a:r>
-            <a:r>
-              <a:rPr lang="ru-RU" dirty="0" err="1"/>
-              <a:t>Яндекс.Маркет</a:t>
-            </a:r>
-            <a:endParaRPr lang="ru-RU" dirty="0"/>
           </a:p>
         </p:txBody>
       </p:sp>
@@ -8159,7 +8140,7 @@
         <p:spPr>
           <a:xfrm>
             <a:off x="3927001" y="391196"/>
-            <a:ext cx="381000" cy="395475"/>
+            <a:ext cx="381000" cy="342182"/>
           </a:xfrm>
           <a:prstGeom prst="ellipse">
             <a:avLst/>
@@ -8358,7 +8339,23 @@
                 <a:cs typeface="Calibri" panose="020F0502020204030204" pitchFamily="34" charset="0"/>
                 <a:sym typeface="Arial"/>
               </a:rPr>
-              <a:t>В дальнейшем можно развить функционал</a:t>
+              <a:t>В дальнейшем можно </a:t>
+            </a:r>
+            <a:r>
+              <a:rPr lang="ru-RU">
+                <a:latin typeface="Calibri" panose="020F0502020204030204" pitchFamily="34" charset="0"/>
+                <a:cs typeface="Calibri" panose="020F0502020204030204" pitchFamily="34" charset="0"/>
+                <a:sym typeface="Arial"/>
+              </a:rPr>
+              <a:t>развить функционал и </a:t>
+            </a:r>
+            <a:r>
+              <a:rPr lang="ru-RU" dirty="0">
+                <a:latin typeface="Calibri" panose="020F0502020204030204" pitchFamily="34" charset="0"/>
+                <a:cs typeface="Calibri" panose="020F0502020204030204" pitchFamily="34" charset="0"/>
+                <a:sym typeface="Arial"/>
+              </a:rPr>
+              <a:t>добавить ветки в сценарий </a:t>
             </a:r>
             <a:endParaRPr dirty="0">
               <a:latin typeface="Poppins Light"/>
